--- a/Presentaciones/data_equipo_08.pptx
+++ b/Presentaciones/data_equipo_08.pptx
@@ -5,18 +5,13 @@
     <p:sldMasterId id="2147483648" r:id="rId1"/>
   </p:sldMasterIdLst>
   <p:notesMasterIdLst>
-    <p:notesMasterId r:id="rId11"/>
+    <p:notesMasterId r:id="rId6"/>
   </p:notesMasterIdLst>
   <p:sldIdLst>
     <p:sldId id="256" r:id="rId2"/>
     <p:sldId id="259" r:id="rId3"/>
-    <p:sldId id="260" r:id="rId4"/>
-    <p:sldId id="261" r:id="rId5"/>
-    <p:sldId id="262" r:id="rId6"/>
-    <p:sldId id="263" r:id="rId7"/>
-    <p:sldId id="266" r:id="rId8"/>
-    <p:sldId id="264" r:id="rId9"/>
-    <p:sldId id="265" r:id="rId10"/>
+    <p:sldId id="261" r:id="rId4"/>
+    <p:sldId id="262" r:id="rId5"/>
   </p:sldIdLst>
   <p:sldSz cx="9144000" cy="6858000" type="screen4x3"/>
   <p:notesSz cx="6858000" cy="9144000"/>
@@ -3618,8 +3613,8 @@
         </p:nvSpPr>
         <p:spPr bwMode="auto">
           <a:xfrm>
-            <a:off x="1021581" y="2276800"/>
-            <a:ext cx="7100837" cy="2585323"/>
+            <a:off x="1071563" y="2420888"/>
+            <a:ext cx="7100837" cy="3816429"/>
           </a:xfrm>
           <a:prstGeom prst="rect">
             <a:avLst/>
@@ -3834,6 +3829,65 @@
             </a:r>
           </a:p>
           <a:p>
+            <a:pPr>
+              <a:spcBef>
+                <a:spcPct val="0"/>
+              </a:spcBef>
+            </a:pPr>
+            <a:endParaRPr lang="es-CO" altLang="es-CO" sz="1800" dirty="0"/>
+          </a:p>
+          <a:p>
+            <a:pPr>
+              <a:spcBef>
+                <a:spcPct val="0"/>
+              </a:spcBef>
+            </a:pPr>
+            <a:r>
+              <a:rPr kumimoji="0" lang="es-CO" altLang="es-CO" sz="1800" b="1" i="0" u="none" strike="noStrike" cap="none" normalizeH="0" baseline="0" dirty="0">
+                <a:ln>
+                  <a:noFill/>
+                </a:ln>
+                <a:solidFill>
+                  <a:schemeClr val="tx1"/>
+                </a:solidFill>
+                <a:effectLst/>
+                <a:latin typeface="Arial" panose="020B0604020202020204" pitchFamily="34" charset="0"/>
+                <a:cs typeface="Arial" panose="020B0604020202020204" pitchFamily="34" charset="0"/>
+              </a:rPr>
+              <a:t>Obtenci</a:t>
+            </a:r>
+            <a:r>
+              <a:rPr lang="es-CO" altLang="es-CO" sz="1800" b="1" dirty="0"/>
+              <a:t>ón de datos:</a:t>
+            </a:r>
+            <a:r>
+              <a:rPr lang="es-CO" altLang="es-CO" sz="1800" dirty="0"/>
+              <a:t> </a:t>
+            </a:r>
+            <a:r>
+              <a:rPr lang="es-CO" sz="1800" dirty="0"/>
+              <a:t>Información tomada del portal de GitHub del profesor Ignacio Sarmiento (Uniandes).</a:t>
+            </a:r>
+          </a:p>
+          <a:p>
+            <a:pPr>
+              <a:spcBef>
+                <a:spcPct val="0"/>
+              </a:spcBef>
+            </a:pPr>
+            <a:endParaRPr kumimoji="0" lang="es-CO" altLang="es-CO" sz="1800" b="0" i="0" u="none" strike="noStrike" cap="none" normalizeH="0" baseline="0" dirty="0">
+              <a:ln>
+                <a:noFill/>
+              </a:ln>
+              <a:solidFill>
+                <a:schemeClr val="tx1"/>
+              </a:solidFill>
+              <a:effectLst/>
+              <a:latin typeface="Arial" panose="020B0604020202020204" pitchFamily="34" charset="0"/>
+              <a:cs typeface="Arial" panose="020B0604020202020204" pitchFamily="34" charset="0"/>
+            </a:endParaRPr>
+          </a:p>
+          <a:p>
             <a:pPr marL="0" marR="0" lvl="0" indent="0" algn="l" defTabSz="914400" rtl="0" eaLnBrk="0" fontAlgn="base" latinLnBrk="0" hangingPunct="0">
               <a:lnSpc>
                 <a:spcPct val="100000"/>
@@ -3872,259 +3926,6 @@
 </file>
 
 <file path=ppt/slides/slide3.xml><?xml version="1.0" encoding="utf-8"?>
-<p:sld xmlns:a="http://schemas.openxmlformats.org/drawingml/2006/main" xmlns:r="http://schemas.openxmlformats.org/officeDocument/2006/relationships" xmlns:p="http://schemas.openxmlformats.org/presentationml/2006/main">
-  <p:cSld>
-    <p:spTree>
-      <p:nvGrpSpPr>
-        <p:cNvPr id="1" name="">
-          <a:extLst>
-            <a:ext uri="{FF2B5EF4-FFF2-40B4-BE49-F238E27FC236}">
-              <a16:creationId xmlns:a16="http://schemas.microsoft.com/office/drawing/2014/main" id="{47C62526-6D89-AD9B-0E6E-55B7882CCDF2}"/>
-            </a:ext>
-          </a:extLst>
-        </p:cNvPr>
-        <p:cNvGrpSpPr/>
-        <p:nvPr/>
-      </p:nvGrpSpPr>
-      <p:grpSpPr>
-        <a:xfrm>
-          <a:off x="0" y="0"/>
-          <a:ext cx="0" cy="0"/>
-          <a:chOff x="0" y="0"/>
-          <a:chExt cx="0" cy="0"/>
-        </a:xfrm>
-      </p:grpSpPr>
-      <p:sp>
-        <p:nvSpPr>
-          <p:cNvPr id="6146" name="Título 1">
-            <a:extLst>
-              <a:ext uri="{FF2B5EF4-FFF2-40B4-BE49-F238E27FC236}">
-                <a16:creationId xmlns:a16="http://schemas.microsoft.com/office/drawing/2014/main" id="{DE005566-508E-4275-DADE-8190634EF0CC}"/>
-              </a:ext>
-            </a:extLst>
-          </p:cNvPr>
-          <p:cNvSpPr>
-            <a:spLocks noGrp="1"/>
-          </p:cNvSpPr>
-          <p:nvPr>
-            <p:ph type="title"/>
-          </p:nvPr>
-        </p:nvSpPr>
-        <p:spPr>
-          <a:xfrm>
-            <a:off x="1071563" y="1772816"/>
-            <a:ext cx="8229600" cy="500062"/>
-          </a:xfrm>
-        </p:spPr>
-        <p:txBody>
-          <a:bodyPr/>
-          <a:lstStyle/>
-          <a:p>
-            <a:r>
-              <a:rPr lang="es-MX" altLang="es-CO" dirty="0"/>
-              <a:t>Obtención de los datos</a:t>
-            </a:r>
-            <a:endParaRPr lang="es-CO" altLang="es-CO" dirty="0"/>
-          </a:p>
-        </p:txBody>
-      </p:sp>
-      <p:sp>
-        <p:nvSpPr>
-          <p:cNvPr id="2" name="Rectangle 4">
-            <a:extLst>
-              <a:ext uri="{FF2B5EF4-FFF2-40B4-BE49-F238E27FC236}">
-                <a16:creationId xmlns:a16="http://schemas.microsoft.com/office/drawing/2014/main" id="{E7F6D3D7-58C5-7F55-975C-890DB8E6E3A7}"/>
-              </a:ext>
-            </a:extLst>
-          </p:cNvPr>
-          <p:cNvSpPr>
-            <a:spLocks noGrp="1" noChangeArrowheads="1"/>
-          </p:cNvSpPr>
-          <p:nvPr>
-            <p:ph idx="1"/>
-          </p:nvPr>
-        </p:nvSpPr>
-        <p:spPr bwMode="auto">
-          <a:xfrm>
-            <a:off x="1115616" y="2605554"/>
-            <a:ext cx="7100837" cy="3053144"/>
-          </a:xfrm>
-          <a:prstGeom prst="rect">
-            <a:avLst/>
-          </a:prstGeom>
-          <a:noFill/>
-          <a:ln>
-            <a:noFill/>
-          </a:ln>
-          <a:effectLst/>
-          <a:extLst>
-            <a:ext uri="{909E8E84-426E-40DD-AFC4-6F175D3DCCD1}">
-              <a14:hiddenFill xmlns:a14="http://schemas.microsoft.com/office/drawing/2010/main">
-                <a:solidFill>
-                  <a:schemeClr val="accent1"/>
-                </a:solidFill>
-              </a14:hiddenFill>
-            </a:ext>
-            <a:ext uri="{91240B29-F687-4F45-9708-019B960494DF}">
-              <a14:hiddenLine xmlns:a14="http://schemas.microsoft.com/office/drawing/2010/main" w="9525">
-                <a:solidFill>
-                  <a:schemeClr val="tx1"/>
-                </a:solidFill>
-                <a:miter lim="800000"/>
-                <a:headEnd/>
-                <a:tailEnd/>
-              </a14:hiddenLine>
-            </a:ext>
-            <a:ext uri="{AF507438-7753-43E0-B8FC-AC1667EBCBE1}">
-              <a14:hiddenEffects xmlns:a14="http://schemas.microsoft.com/office/drawing/2010/main">
-                <a:effectLst>
-                  <a:outerShdw dist="35921" dir="2700000" algn="ctr" rotWithShape="0">
-                    <a:schemeClr val="bg2"/>
-                  </a:outerShdw>
-                </a:effectLst>
-              </a14:hiddenEffects>
-            </a:ext>
-          </a:extLst>
-        </p:spPr>
-        <p:txBody>
-          <a:bodyPr vert="horz" wrap="square" lIns="91440" tIns="45720" rIns="91440" bIns="45720" numCol="1" anchor="ctr" anchorCtr="0" compatLnSpc="1">
-            <a:prstTxWarp prst="textNoShape">
-              <a:avLst/>
-            </a:prstTxWarp>
-            <a:spAutoFit/>
-          </a:bodyPr>
-          <a:lstStyle/>
-          <a:p>
-            <a:r>
-              <a:rPr lang="es-CO" dirty="0"/>
-              <a:t>Información tomada del portal de GitHub del profesor Ignacio Sarmiento (Uniandes).</a:t>
-            </a:r>
-          </a:p>
-          <a:p>
-            <a:r>
-              <a:rPr lang="es-CO" dirty="0"/>
-              <a:t>Proceso en </a:t>
-            </a:r>
-            <a:r>
-              <a:rPr lang="es-CO" b="1" dirty="0"/>
-              <a:t>R Studio (web </a:t>
-            </a:r>
-            <a:r>
-              <a:rPr lang="es-CO" b="1" dirty="0" err="1"/>
-              <a:t>scraping</a:t>
-            </a:r>
-            <a:r>
-              <a:rPr lang="es-CO" b="1" dirty="0"/>
-              <a:t>):</a:t>
-            </a:r>
-            <a:endParaRPr lang="es-CO" dirty="0"/>
-          </a:p>
-          <a:p>
-            <a:pPr lvl="1"/>
-            <a:r>
-              <a:rPr lang="es-CO" dirty="0"/>
-              <a:t>Generar </a:t>
-            </a:r>
-            <a:r>
-              <a:rPr lang="es-CO" dirty="0" err="1"/>
-              <a:t>URLs</a:t>
-            </a:r>
-            <a:endParaRPr lang="es-CO" dirty="0"/>
-          </a:p>
-          <a:p>
-            <a:pPr lvl="1"/>
-            <a:r>
-              <a:rPr lang="es-CO" dirty="0"/>
-              <a:t>Extraer tablas (librería </a:t>
-            </a:r>
-            <a:r>
-              <a:rPr lang="es-CO" i="1" dirty="0" err="1"/>
-              <a:t>rvest</a:t>
-            </a:r>
-            <a:r>
-              <a:rPr lang="es-CO" dirty="0"/>
-              <a:t>)</a:t>
-            </a:r>
-          </a:p>
-          <a:p>
-            <a:pPr lvl="1"/>
-            <a:r>
-              <a:rPr lang="es-CO" dirty="0"/>
-              <a:t>Convertir a </a:t>
-            </a:r>
-            <a:r>
-              <a:rPr lang="es-CO" i="1" dirty="0"/>
-              <a:t>data tables</a:t>
-            </a:r>
-            <a:endParaRPr lang="es-CO" dirty="0"/>
-          </a:p>
-          <a:p>
-            <a:pPr lvl="1"/>
-            <a:r>
-              <a:rPr lang="es-CO" dirty="0"/>
-              <a:t>Limpiar con </a:t>
-            </a:r>
-            <a:r>
-              <a:rPr lang="es-CO" i="1" dirty="0" err="1"/>
-              <a:t>janitor</a:t>
-            </a:r>
-            <a:endParaRPr lang="es-CO" dirty="0"/>
-          </a:p>
-          <a:p>
-            <a:r>
-              <a:rPr lang="es-CO" dirty="0"/>
-              <a:t>Integración final en un único </a:t>
-            </a:r>
-            <a:r>
-              <a:rPr lang="es-CO" dirty="0" err="1"/>
-              <a:t>dataset</a:t>
-            </a:r>
-            <a:endParaRPr lang="es-CO" dirty="0"/>
-          </a:p>
-          <a:p>
-            <a:pPr marL="0" marR="0" lvl="0" indent="0" algn="l" defTabSz="914400" rtl="0" eaLnBrk="0" fontAlgn="base" latinLnBrk="0" hangingPunct="0">
-              <a:lnSpc>
-                <a:spcPct val="100000"/>
-              </a:lnSpc>
-              <a:spcBef>
-                <a:spcPct val="0"/>
-              </a:spcBef>
-              <a:spcAft>
-                <a:spcPct val="0"/>
-              </a:spcAft>
-              <a:buClrTx/>
-              <a:buSzTx/>
-              <a:buNone/>
-              <a:tabLst/>
-            </a:pPr>
-            <a:endParaRPr kumimoji="0" lang="es-CO" altLang="es-CO" sz="1800" b="0" i="0" u="none" strike="noStrike" cap="none" normalizeH="0" baseline="0" dirty="0">
-              <a:ln>
-                <a:noFill/>
-              </a:ln>
-              <a:solidFill>
-                <a:schemeClr val="tx1"/>
-              </a:solidFill>
-              <a:effectLst/>
-              <a:latin typeface="Arial" panose="020B0604020202020204" pitchFamily="34" charset="0"/>
-              <a:cs typeface="Arial" panose="020B0604020202020204" pitchFamily="34" charset="0"/>
-            </a:endParaRPr>
-          </a:p>
-        </p:txBody>
-      </p:sp>
-    </p:spTree>
-    <p:extLst>
-      <p:ext uri="{BB962C8B-B14F-4D97-AF65-F5344CB8AC3E}">
-        <p14:creationId xmlns:p14="http://schemas.microsoft.com/office/powerpoint/2010/main" val="1572129168"/>
-      </p:ext>
-    </p:extLst>
-  </p:cSld>
-  <p:clrMapOvr>
-    <a:masterClrMapping/>
-  </p:clrMapOvr>
-</p:sld>
-</file>
-
-<file path=ppt/slides/slide4.xml><?xml version="1.0" encoding="utf-8"?>
 <p:sld xmlns:a="http://schemas.openxmlformats.org/drawingml/2006/main" xmlns:r="http://schemas.openxmlformats.org/officeDocument/2006/relationships" xmlns:p="http://schemas.openxmlformats.org/presentationml/2006/main">
   <p:cSld>
     <p:spTree>
@@ -5007,7 +4808,7 @@
 </p:sld>
 </file>
 
-<file path=ppt/slides/slide5.xml><?xml version="1.0" encoding="utf-8"?>
+<file path=ppt/slides/slide4.xml><?xml version="1.0" encoding="utf-8"?>
 <p:sld xmlns:a="http://schemas.openxmlformats.org/drawingml/2006/main" xmlns:r="http://schemas.openxmlformats.org/officeDocument/2006/relationships" xmlns:p="http://schemas.openxmlformats.org/presentationml/2006/main">
   <p:cSld>
     <p:spTree>
@@ -5048,7 +4849,7 @@
         </p:nvSpPr>
         <p:spPr>
           <a:xfrm>
-            <a:off x="1071563" y="1772816"/>
+            <a:off x="914400" y="1556792"/>
             <a:ext cx="8229600" cy="500062"/>
           </a:xfrm>
         </p:spPr>
@@ -5082,7 +4883,7 @@
         </p:nvSpPr>
         <p:spPr bwMode="auto">
           <a:xfrm>
-            <a:off x="1187624" y="2420888"/>
+            <a:off x="1115616" y="2132856"/>
             <a:ext cx="5904656" cy="2246769"/>
           </a:xfrm>
           <a:prstGeom prst="rect">
@@ -5299,108 +5100,211 @@
           </a:p>
         </p:txBody>
       </p:sp>
-    </p:spTree>
-    <p:extLst>
-      <p:ext uri="{BB962C8B-B14F-4D97-AF65-F5344CB8AC3E}">
-        <p14:creationId xmlns:p14="http://schemas.microsoft.com/office/powerpoint/2010/main" val="2979774570"/>
-      </p:ext>
-    </p:extLst>
-  </p:cSld>
-  <p:clrMapOvr>
-    <a:masterClrMapping/>
-  </p:clrMapOvr>
-</p:sld>
-</file>
-
-<file path=ppt/slides/slide6.xml><?xml version="1.0" encoding="utf-8"?>
-<p:sld xmlns:a="http://schemas.openxmlformats.org/drawingml/2006/main" xmlns:r="http://schemas.openxmlformats.org/officeDocument/2006/relationships" xmlns:p="http://schemas.openxmlformats.org/presentationml/2006/main">
-  <p:cSld>
-    <p:spTree>
-      <p:nvGrpSpPr>
-        <p:cNvPr id="1" name=""/>
-        <p:cNvGrpSpPr/>
-        <p:nvPr/>
-      </p:nvGrpSpPr>
-      <p:grpSpPr>
-        <a:xfrm>
-          <a:off x="0" y="0"/>
-          <a:ext cx="0" cy="0"/>
-          <a:chOff x="0" y="0"/>
-          <a:chExt cx="0" cy="0"/>
-        </a:xfrm>
-      </p:grpSpPr>
       <p:sp>
         <p:nvSpPr>
           <p:cNvPr id="2" name="Título 1">
             <a:extLst>
               <a:ext uri="{FF2B5EF4-FFF2-40B4-BE49-F238E27FC236}">
-                <a16:creationId xmlns:a16="http://schemas.microsoft.com/office/drawing/2014/main" id="{8F13993E-2FBE-092B-D038-4F4779247CCE}"/>
+                <a16:creationId xmlns:a16="http://schemas.microsoft.com/office/drawing/2014/main" id="{CFADB4DD-80B2-FCB5-D749-CF5F859C6CA6}"/>
               </a:ext>
             </a:extLst>
           </p:cNvPr>
-          <p:cNvSpPr>
-            <a:spLocks noGrp="1"/>
+          <p:cNvSpPr txBox="1">
+            <a:spLocks/>
           </p:cNvSpPr>
-          <p:nvPr>
-            <p:ph type="title"/>
-          </p:nvPr>
-        </p:nvSpPr>
-        <p:spPr>
-          <a:xfrm>
-            <a:off x="1115616" y="1772816"/>
-            <a:ext cx="8229600" cy="500062"/>
-          </a:xfrm>
-        </p:spPr>
-        <p:txBody>
-          <a:bodyPr/>
-          <a:lstStyle/>
-          <a:p>
-            <a:r>
-              <a:rPr lang="es-MX" dirty="0"/>
-              <a:t>Descriptivos</a:t>
-            </a:r>
-            <a:endParaRPr lang="es-CO" dirty="0"/>
-          </a:p>
-        </p:txBody>
-      </p:sp>
-      <p:sp>
-        <p:nvSpPr>
-          <p:cNvPr id="6" name="CuadroTexto 5">
-            <a:extLst>
-              <a:ext uri="{FF2B5EF4-FFF2-40B4-BE49-F238E27FC236}">
-                <a16:creationId xmlns:a16="http://schemas.microsoft.com/office/drawing/2014/main" id="{102BB19B-7FB9-BF9C-6814-89DE26AACB82}"/>
-              </a:ext>
-            </a:extLst>
-          </p:cNvPr>
-          <p:cNvSpPr txBox="1"/>
           <p:nvPr/>
         </p:nvSpPr>
-        <p:spPr>
+        <p:spPr bwMode="auto">
           <a:xfrm>
-            <a:off x="2195736" y="3573016"/>
-            <a:ext cx="7632848" cy="4032448"/>
+            <a:off x="899592" y="4513114"/>
+            <a:ext cx="8229600" cy="500062"/>
           </a:xfrm>
           <a:prstGeom prst="rect">
             <a:avLst/>
           </a:prstGeom>
           <a:noFill/>
+          <a:ln>
+            <a:noFill/>
+          </a:ln>
+          <a:extLst>
+            <a:ext uri="{909E8E84-426E-40DD-AFC4-6F175D3DCCD1}">
+              <a14:hiddenFill xmlns:a14="http://schemas.microsoft.com/office/drawing/2010/main">
+                <a:solidFill>
+                  <a:srgbClr val="FFFFFF"/>
+                </a:solidFill>
+              </a14:hiddenFill>
+            </a:ext>
+            <a:ext uri="{91240B29-F687-4F45-9708-019B960494DF}">
+              <a14:hiddenLine xmlns:a14="http://schemas.microsoft.com/office/drawing/2010/main" w="9525">
+                <a:solidFill>
+                  <a:srgbClr val="000000"/>
+                </a:solidFill>
+                <a:miter lim="800000"/>
+                <a:headEnd/>
+                <a:tailEnd/>
+              </a14:hiddenLine>
+            </a:ext>
+          </a:extLst>
         </p:spPr>
         <p:txBody>
-          <a:bodyPr wrap="square" rtlCol="0">
-            <a:spAutoFit/>
+          <a:bodyPr vert="horz" wrap="square" lIns="91440" tIns="45720" rIns="91440" bIns="45720" numCol="1" anchor="ctr" anchorCtr="0" compatLnSpc="1">
+            <a:prstTxWarp prst="textNoShape">
+              <a:avLst/>
+            </a:prstTxWarp>
           </a:bodyPr>
-          <a:lstStyle/>
-          <a:p>
+          <a:lstStyle>
+            <a:lvl1pPr algn="l" rtl="0" eaLnBrk="0" fontAlgn="base" hangingPunct="0">
+              <a:spcBef>
+                <a:spcPct val="0"/>
+              </a:spcBef>
+              <a:spcAft>
+                <a:spcPct val="0"/>
+              </a:spcAft>
+              <a:defRPr sz="2400" b="1" kern="1200">
+                <a:solidFill>
+                  <a:schemeClr val="tx1"/>
+                </a:solidFill>
+                <a:latin typeface="Arial" pitchFamily="34" charset="0"/>
+                <a:ea typeface="+mj-ea"/>
+                <a:cs typeface="Arial" pitchFamily="34" charset="0"/>
+              </a:defRPr>
+            </a:lvl1pPr>
+            <a:lvl2pPr algn="l" rtl="0" eaLnBrk="0" fontAlgn="base" hangingPunct="0">
+              <a:spcBef>
+                <a:spcPct val="0"/>
+              </a:spcBef>
+              <a:spcAft>
+                <a:spcPct val="0"/>
+              </a:spcAft>
+              <a:defRPr sz="2400" b="1">
+                <a:solidFill>
+                  <a:schemeClr val="tx1"/>
+                </a:solidFill>
+                <a:latin typeface="Arial" charset="0"/>
+                <a:cs typeface="Arial" charset="0"/>
+              </a:defRPr>
+            </a:lvl2pPr>
+            <a:lvl3pPr algn="l" rtl="0" eaLnBrk="0" fontAlgn="base" hangingPunct="0">
+              <a:spcBef>
+                <a:spcPct val="0"/>
+              </a:spcBef>
+              <a:spcAft>
+                <a:spcPct val="0"/>
+              </a:spcAft>
+              <a:defRPr sz="2400" b="1">
+                <a:solidFill>
+                  <a:schemeClr val="tx1"/>
+                </a:solidFill>
+                <a:latin typeface="Arial" charset="0"/>
+                <a:cs typeface="Arial" charset="0"/>
+              </a:defRPr>
+            </a:lvl3pPr>
+            <a:lvl4pPr algn="l" rtl="0" eaLnBrk="0" fontAlgn="base" hangingPunct="0">
+              <a:spcBef>
+                <a:spcPct val="0"/>
+              </a:spcBef>
+              <a:spcAft>
+                <a:spcPct val="0"/>
+              </a:spcAft>
+              <a:defRPr sz="2400" b="1">
+                <a:solidFill>
+                  <a:schemeClr val="tx1"/>
+                </a:solidFill>
+                <a:latin typeface="Arial" charset="0"/>
+                <a:cs typeface="Arial" charset="0"/>
+              </a:defRPr>
+            </a:lvl4pPr>
+            <a:lvl5pPr algn="l" rtl="0" eaLnBrk="0" fontAlgn="base" hangingPunct="0">
+              <a:spcBef>
+                <a:spcPct val="0"/>
+              </a:spcBef>
+              <a:spcAft>
+                <a:spcPct val="0"/>
+              </a:spcAft>
+              <a:defRPr sz="2400" b="1">
+                <a:solidFill>
+                  <a:schemeClr val="tx1"/>
+                </a:solidFill>
+                <a:latin typeface="Arial" charset="0"/>
+                <a:cs typeface="Arial" charset="0"/>
+              </a:defRPr>
+            </a:lvl5pPr>
+            <a:lvl6pPr marL="457200" algn="l" rtl="0" fontAlgn="base">
+              <a:spcBef>
+                <a:spcPct val="0"/>
+              </a:spcBef>
+              <a:spcAft>
+                <a:spcPct val="0"/>
+              </a:spcAft>
+              <a:defRPr sz="2400" b="1">
+                <a:solidFill>
+                  <a:schemeClr val="tx1"/>
+                </a:solidFill>
+                <a:latin typeface="Arial" charset="0"/>
+                <a:cs typeface="Arial" charset="0"/>
+              </a:defRPr>
+            </a:lvl6pPr>
+            <a:lvl7pPr marL="914400" algn="l" rtl="0" fontAlgn="base">
+              <a:spcBef>
+                <a:spcPct val="0"/>
+              </a:spcBef>
+              <a:spcAft>
+                <a:spcPct val="0"/>
+              </a:spcAft>
+              <a:defRPr sz="2400" b="1">
+                <a:solidFill>
+                  <a:schemeClr val="tx1"/>
+                </a:solidFill>
+                <a:latin typeface="Arial" charset="0"/>
+                <a:cs typeface="Arial" charset="0"/>
+              </a:defRPr>
+            </a:lvl7pPr>
+            <a:lvl8pPr marL="1371600" algn="l" rtl="0" fontAlgn="base">
+              <a:spcBef>
+                <a:spcPct val="0"/>
+              </a:spcBef>
+              <a:spcAft>
+                <a:spcPct val="0"/>
+              </a:spcAft>
+              <a:defRPr sz="2400" b="1">
+                <a:solidFill>
+                  <a:schemeClr val="tx1"/>
+                </a:solidFill>
+                <a:latin typeface="Arial" charset="0"/>
+                <a:cs typeface="Arial" charset="0"/>
+              </a:defRPr>
+            </a:lvl8pPr>
+            <a:lvl9pPr marL="1828800" algn="l" rtl="0" fontAlgn="base">
+              <a:spcBef>
+                <a:spcPct val="0"/>
+              </a:spcBef>
+              <a:spcAft>
+                <a:spcPct val="0"/>
+              </a:spcAft>
+              <a:defRPr sz="2400" b="1">
+                <a:solidFill>
+                  <a:schemeClr val="tx1"/>
+                </a:solidFill>
+                <a:latin typeface="Arial" charset="0"/>
+                <a:cs typeface="Arial" charset="0"/>
+              </a:defRPr>
+            </a:lvl9pPr>
+          </a:lstStyle>
+          <a:p>
+            <a:r>
+              <a:rPr lang="es-MX" dirty="0"/>
+              <a:t>Descriptivos</a:t>
+            </a:r>
             <a:endParaRPr lang="es-CO" dirty="0"/>
           </a:p>
         </p:txBody>
       </p:sp>
       <p:sp>
         <p:nvSpPr>
-          <p:cNvPr id="9" name="Rectangle 4">
+          <p:cNvPr id="4" name="Rectangle 4">
             <a:extLst>
               <a:ext uri="{FF2B5EF4-FFF2-40B4-BE49-F238E27FC236}">
-                <a16:creationId xmlns:a16="http://schemas.microsoft.com/office/drawing/2014/main" id="{90A4A9EB-C3B0-4C67-573B-2165476BA4CE}"/>
+                <a16:creationId xmlns:a16="http://schemas.microsoft.com/office/drawing/2014/main" id="{958C3ADC-43AC-DD1F-869C-0CB5736856D2}"/>
               </a:ext>
             </a:extLst>
           </p:cNvPr>
@@ -5411,8 +5315,8 @@
         </p:nvSpPr>
         <p:spPr bwMode="auto">
           <a:xfrm>
-            <a:off x="1115616" y="2215898"/>
-            <a:ext cx="6408712" cy="3139321"/>
+            <a:off x="1547664" y="5013176"/>
+            <a:ext cx="6408712" cy="1754326"/>
           </a:xfrm>
           <a:prstGeom prst="rect">
             <a:avLst/>
@@ -5460,7 +5364,7 @@
           </a:bodyPr>
           <a:lstStyle/>
           <a:p>
-            <a:pPr marL="285750" marR="0" lvl="0" indent="-285750" algn="l" defTabSz="914400" rtl="0" eaLnBrk="0" fontAlgn="base" latinLnBrk="0" hangingPunct="0">
+            <a:pPr marL="342900" marR="0" lvl="0" indent="-342900" algn="l" defTabSz="914400" rtl="0" eaLnBrk="0" fontAlgn="base" latinLnBrk="0" hangingPunct="0">
               <a:lnSpc>
                 <a:spcPct val="100000"/>
               </a:lnSpc>
@@ -5487,7 +5391,7 @@
                 <a:effectLst/>
                 <a:latin typeface="Arial" panose="020B0604020202020204" pitchFamily="34" charset="0"/>
               </a:rPr>
-              <a:t>Edad promedio: 38 (mujeres y hombres)</a:t>
+              <a:t>Tamaño de empresa: 30% en firmas &gt;15 empleados</a:t>
             </a:r>
           </a:p>
           <a:p>
@@ -5507,7 +5411,19 @@
               <a:buChar char="•"/>
               <a:tabLst/>
             </a:pPr>
-            <a:endParaRPr lang="es-CO" altLang="es-CO" dirty="0"/>
+            <a:r>
+              <a:rPr kumimoji="0" lang="es-CO" altLang="es-CO" sz="1800" b="0" i="0" u="none" strike="noStrike" cap="none" normalizeH="0" baseline="0" dirty="0">
+                <a:ln>
+                  <a:noFill/>
+                </a:ln>
+                <a:solidFill>
+                  <a:schemeClr val="tx1"/>
+                </a:solidFill>
+                <a:effectLst/>
+                <a:latin typeface="Arial" panose="020B0604020202020204" pitchFamily="34" charset="0"/>
+              </a:rPr>
+              <a:t>Edad promedio: 38 (mujeres y hombres)</a:t>
+            </a:r>
           </a:p>
           <a:p>
             <a:pPr marL="285750" marR="0" lvl="0" indent="-285750" algn="l" defTabSz="914400" rtl="0" eaLnBrk="0" fontAlgn="base" latinLnBrk="0" hangingPunct="0">
@@ -5558,16 +5474,20 @@
               <a:buChar char="•"/>
               <a:tabLst/>
             </a:pPr>
-            <a:endParaRPr kumimoji="0" lang="es-CO" altLang="es-CO" sz="1800" b="0" i="0" u="none" strike="noStrike" cap="none" normalizeH="0" baseline="0" dirty="0">
-              <a:ln>
-                <a:noFill/>
-              </a:ln>
-              <a:solidFill>
-                <a:schemeClr val="tx1"/>
-              </a:solidFill>
-              <a:effectLst/>
-              <a:latin typeface="Arial" panose="020B0604020202020204" pitchFamily="34" charset="0"/>
-            </a:endParaRPr>
+            <a:r>
+              <a:rPr kumimoji="0" lang="es-CO" altLang="es-CO" sz="1800" b="0" i="0" u="none" strike="noStrike" cap="none" normalizeH="0" baseline="0" dirty="0">
+                <a:ln>
+                  <a:noFill/>
+                </a:ln>
+                <a:solidFill>
+                  <a:schemeClr val="tx1"/>
+                </a:solidFill>
+                <a:effectLst/>
+                <a:latin typeface="Arial" panose="020B0604020202020204" pitchFamily="34" charset="0"/>
+              </a:rPr>
+              <a:t>Ingreso hora promedio: $8.402 (M) / $8.849 (H)</a:t>
+            </a:r>
+            <a:endParaRPr lang="es-CO" altLang="es-CO" dirty="0"/>
           </a:p>
           <a:p>
             <a:pPr marL="285750" marR="0" lvl="0" indent="-285750" algn="l" defTabSz="914400" rtl="0" eaLnBrk="0" fontAlgn="base" latinLnBrk="0" hangingPunct="0">
@@ -5597,7 +5517,7 @@
                 <a:effectLst/>
                 <a:latin typeface="Arial" panose="020B0604020202020204" pitchFamily="34" charset="0"/>
               </a:rPr>
-              <a:t>Ingreso hora promedio: $8.402 (M) / $8.849 (H)</a:t>
+              <a:t>Educación: más mujeres con nivel terciario</a:t>
             </a:r>
             <a:endParaRPr lang="es-CO" altLang="es-CO" dirty="0"/>
           </a:p>
@@ -5618,34 +5538,6 @@
               <a:buChar char="•"/>
               <a:tabLst/>
             </a:pPr>
-            <a:endParaRPr kumimoji="0" lang="es-CO" altLang="es-CO" sz="1800" b="0" i="0" u="none" strike="noStrike" cap="none" normalizeH="0" baseline="0" dirty="0">
-              <a:ln>
-                <a:noFill/>
-              </a:ln>
-              <a:solidFill>
-                <a:schemeClr val="tx1"/>
-              </a:solidFill>
-              <a:effectLst/>
-              <a:latin typeface="Arial" panose="020B0604020202020204" pitchFamily="34" charset="0"/>
-            </a:endParaRPr>
-          </a:p>
-          <a:p>
-            <a:pPr marL="285750" marR="0" lvl="0" indent="-285750" algn="l" defTabSz="914400" rtl="0" eaLnBrk="0" fontAlgn="base" latinLnBrk="0" hangingPunct="0">
-              <a:lnSpc>
-                <a:spcPct val="100000"/>
-              </a:lnSpc>
-              <a:spcBef>
-                <a:spcPct val="0"/>
-              </a:spcBef>
-              <a:spcAft>
-                <a:spcPct val="0"/>
-              </a:spcAft>
-              <a:buClrTx/>
-              <a:buSzTx/>
-              <a:buFont typeface="Arial" panose="020B0604020202020204" pitchFamily="34" charset="0"/>
-              <a:buChar char="•"/>
-              <a:tabLst/>
-            </a:pPr>
             <a:r>
               <a:rPr kumimoji="0" lang="es-CO" altLang="es-CO" sz="1800" b="0" i="0" u="none" strike="noStrike" cap="none" normalizeH="0" baseline="0" dirty="0">
                 <a:ln>
@@ -5657,435 +5549,16 @@
                 <a:effectLst/>
                 <a:latin typeface="Arial" panose="020B0604020202020204" pitchFamily="34" charset="0"/>
               </a:rPr>
-              <a:t>Educación: más mujeres con nivel terciario</a:t>
+              <a:t>Formalidad: 60% en ambos sexos</a:t>
             </a:r>
             <a:endParaRPr lang="es-CO" altLang="es-CO" dirty="0"/>
-          </a:p>
-          <a:p>
-            <a:pPr marL="285750" marR="0" lvl="0" indent="-285750" algn="l" defTabSz="914400" rtl="0" eaLnBrk="0" fontAlgn="base" latinLnBrk="0" hangingPunct="0">
-              <a:lnSpc>
-                <a:spcPct val="100000"/>
-              </a:lnSpc>
-              <a:spcBef>
-                <a:spcPct val="0"/>
-              </a:spcBef>
-              <a:spcAft>
-                <a:spcPct val="0"/>
-              </a:spcAft>
-              <a:buClrTx/>
-              <a:buSzTx/>
-              <a:buFont typeface="Arial" panose="020B0604020202020204" pitchFamily="34" charset="0"/>
-              <a:buChar char="•"/>
-              <a:tabLst/>
-            </a:pPr>
-            <a:endParaRPr kumimoji="0" lang="es-CO" altLang="es-CO" sz="1800" b="0" i="0" u="none" strike="noStrike" cap="none" normalizeH="0" baseline="0" dirty="0">
-              <a:ln>
-                <a:noFill/>
-              </a:ln>
-              <a:solidFill>
-                <a:schemeClr val="tx1"/>
-              </a:solidFill>
-              <a:effectLst/>
-              <a:latin typeface="Arial" panose="020B0604020202020204" pitchFamily="34" charset="0"/>
-            </a:endParaRPr>
-          </a:p>
-          <a:p>
-            <a:pPr marL="285750" marR="0" lvl="0" indent="-285750" algn="l" defTabSz="914400" rtl="0" eaLnBrk="0" fontAlgn="base" latinLnBrk="0" hangingPunct="0">
-              <a:lnSpc>
-                <a:spcPct val="100000"/>
-              </a:lnSpc>
-              <a:spcBef>
-                <a:spcPct val="0"/>
-              </a:spcBef>
-              <a:spcAft>
-                <a:spcPct val="0"/>
-              </a:spcAft>
-              <a:buClrTx/>
-              <a:buSzTx/>
-              <a:buFont typeface="Arial" panose="020B0604020202020204" pitchFamily="34" charset="0"/>
-              <a:buChar char="•"/>
-              <a:tabLst/>
-            </a:pPr>
-            <a:r>
-              <a:rPr kumimoji="0" lang="es-CO" altLang="es-CO" sz="1800" b="0" i="0" u="none" strike="noStrike" cap="none" normalizeH="0" baseline="0" dirty="0">
-                <a:ln>
-                  <a:noFill/>
-                </a:ln>
-                <a:solidFill>
-                  <a:schemeClr val="tx1"/>
-                </a:solidFill>
-                <a:effectLst/>
-                <a:latin typeface="Arial" panose="020B0604020202020204" pitchFamily="34" charset="0"/>
-              </a:rPr>
-              <a:t>Formalidad: 60% en ambos sexos</a:t>
-            </a:r>
-            <a:endParaRPr lang="es-CO" altLang="es-CO" dirty="0"/>
-          </a:p>
-          <a:p>
-            <a:pPr marL="285750" marR="0" lvl="0" indent="-285750" algn="l" defTabSz="914400" rtl="0" eaLnBrk="0" fontAlgn="base" latinLnBrk="0" hangingPunct="0">
-              <a:lnSpc>
-                <a:spcPct val="100000"/>
-              </a:lnSpc>
-              <a:spcBef>
-                <a:spcPct val="0"/>
-              </a:spcBef>
-              <a:spcAft>
-                <a:spcPct val="0"/>
-              </a:spcAft>
-              <a:buClrTx/>
-              <a:buSzTx/>
-              <a:buFont typeface="Arial" panose="020B0604020202020204" pitchFamily="34" charset="0"/>
-              <a:buChar char="•"/>
-              <a:tabLst/>
-            </a:pPr>
-            <a:endParaRPr kumimoji="0" lang="es-CO" altLang="es-CO" sz="1800" b="0" i="0" u="none" strike="noStrike" cap="none" normalizeH="0" baseline="0" dirty="0">
-              <a:ln>
-                <a:noFill/>
-              </a:ln>
-              <a:solidFill>
-                <a:schemeClr val="tx1"/>
-              </a:solidFill>
-              <a:effectLst/>
-              <a:latin typeface="Arial" panose="020B0604020202020204" pitchFamily="34" charset="0"/>
-            </a:endParaRPr>
-          </a:p>
-          <a:p>
-            <a:pPr marL="285750" marR="0" lvl="0" indent="-285750" algn="l" defTabSz="914400" rtl="0" eaLnBrk="0" fontAlgn="base" latinLnBrk="0" hangingPunct="0">
-              <a:lnSpc>
-                <a:spcPct val="100000"/>
-              </a:lnSpc>
-              <a:spcBef>
-                <a:spcPct val="0"/>
-              </a:spcBef>
-              <a:spcAft>
-                <a:spcPct val="0"/>
-              </a:spcAft>
-              <a:buClrTx/>
-              <a:buSzTx/>
-              <a:buFont typeface="Arial" panose="020B0604020202020204" pitchFamily="34" charset="0"/>
-              <a:buChar char="•"/>
-              <a:tabLst/>
-            </a:pPr>
-            <a:r>
-              <a:rPr kumimoji="0" lang="es-CO" altLang="es-CO" sz="1800" b="0" i="0" u="none" strike="noStrike" cap="none" normalizeH="0" baseline="0" dirty="0">
-                <a:ln>
-                  <a:noFill/>
-                </a:ln>
-                <a:solidFill>
-                  <a:schemeClr val="tx1"/>
-                </a:solidFill>
-                <a:effectLst/>
-                <a:latin typeface="Arial" panose="020B0604020202020204" pitchFamily="34" charset="0"/>
-              </a:rPr>
-              <a:t>Tamaño de empresa: 30% en firmas &gt;15 empleados</a:t>
-            </a:r>
           </a:p>
         </p:txBody>
       </p:sp>
     </p:spTree>
     <p:extLst>
       <p:ext uri="{BB962C8B-B14F-4D97-AF65-F5344CB8AC3E}">
-        <p14:creationId xmlns:p14="http://schemas.microsoft.com/office/powerpoint/2010/main" val="2560163220"/>
-      </p:ext>
-    </p:extLst>
-  </p:cSld>
-  <p:clrMapOvr>
-    <a:masterClrMapping/>
-  </p:clrMapOvr>
-</p:sld>
-</file>
-
-<file path=ppt/slides/slide7.xml><?xml version="1.0" encoding="utf-8"?>
-<p:sld xmlns:a="http://schemas.openxmlformats.org/drawingml/2006/main" xmlns:r="http://schemas.openxmlformats.org/officeDocument/2006/relationships" xmlns:p="http://schemas.openxmlformats.org/presentationml/2006/main">
-  <p:cSld>
-    <p:spTree>
-      <p:nvGrpSpPr>
-        <p:cNvPr id="1" name="">
-          <a:extLst>
-            <a:ext uri="{FF2B5EF4-FFF2-40B4-BE49-F238E27FC236}">
-              <a16:creationId xmlns:a16="http://schemas.microsoft.com/office/drawing/2014/main" id="{66397943-FF4B-3B57-0751-E8DEF11D3BD9}"/>
-            </a:ext>
-          </a:extLst>
-        </p:cNvPr>
-        <p:cNvGrpSpPr/>
-        <p:nvPr/>
-      </p:nvGrpSpPr>
-      <p:grpSpPr>
-        <a:xfrm>
-          <a:off x="0" y="0"/>
-          <a:ext cx="0" cy="0"/>
-          <a:chOff x="0" y="0"/>
-          <a:chExt cx="0" cy="0"/>
-        </a:xfrm>
-      </p:grpSpPr>
-      <p:sp>
-        <p:nvSpPr>
-          <p:cNvPr id="2" name="Título 1">
-            <a:extLst>
-              <a:ext uri="{FF2B5EF4-FFF2-40B4-BE49-F238E27FC236}">
-                <a16:creationId xmlns:a16="http://schemas.microsoft.com/office/drawing/2014/main" id="{753A8751-70F2-2109-759C-FC43B83B7E0E}"/>
-              </a:ext>
-            </a:extLst>
-          </p:cNvPr>
-          <p:cNvSpPr>
-            <a:spLocks noGrp="1"/>
-          </p:cNvSpPr>
-          <p:nvPr>
-            <p:ph type="title"/>
-          </p:nvPr>
-        </p:nvSpPr>
-        <p:spPr>
-          <a:xfrm>
-            <a:off x="611560" y="1052736"/>
-            <a:ext cx="8229600" cy="500062"/>
-          </a:xfrm>
-        </p:spPr>
-        <p:txBody>
-          <a:bodyPr/>
-          <a:lstStyle/>
-          <a:p>
-            <a:r>
-              <a:rPr lang="es-MX" dirty="0"/>
-              <a:t>Descriptivos</a:t>
-            </a:r>
-            <a:endParaRPr lang="es-CO" dirty="0"/>
-          </a:p>
-        </p:txBody>
-      </p:sp>
-      <p:pic>
-        <p:nvPicPr>
-          <p:cNvPr id="4" name="Imagen 3">
-            <a:extLst>
-              <a:ext uri="{FF2B5EF4-FFF2-40B4-BE49-F238E27FC236}">
-                <a16:creationId xmlns:a16="http://schemas.microsoft.com/office/drawing/2014/main" id="{60804CE9-B40A-1183-32D1-FF1A930C4854}"/>
-              </a:ext>
-            </a:extLst>
-          </p:cNvPr>
-          <p:cNvPicPr>
-            <a:picLocks noChangeAspect="1"/>
-          </p:cNvPicPr>
-          <p:nvPr/>
-        </p:nvPicPr>
-        <p:blipFill>
-          <a:blip r:embed="rId2"/>
-          <a:stretch>
-            <a:fillRect/>
-          </a:stretch>
-        </p:blipFill>
-        <p:spPr>
-          <a:xfrm>
-            <a:off x="1331640" y="1988840"/>
-            <a:ext cx="7343247" cy="4363255"/>
-          </a:xfrm>
-          <a:prstGeom prst="rect">
-            <a:avLst/>
-          </a:prstGeom>
-        </p:spPr>
-      </p:pic>
-    </p:spTree>
-    <p:extLst>
-      <p:ext uri="{BB962C8B-B14F-4D97-AF65-F5344CB8AC3E}">
-        <p14:creationId xmlns:p14="http://schemas.microsoft.com/office/powerpoint/2010/main" val="1716674598"/>
-      </p:ext>
-    </p:extLst>
-  </p:cSld>
-  <p:clrMapOvr>
-    <a:masterClrMapping/>
-  </p:clrMapOvr>
-</p:sld>
-</file>
-
-<file path=ppt/slides/slide8.xml><?xml version="1.0" encoding="utf-8"?>
-<p:sld xmlns:a="http://schemas.openxmlformats.org/drawingml/2006/main" xmlns:r="http://schemas.openxmlformats.org/officeDocument/2006/relationships" xmlns:p="http://schemas.openxmlformats.org/presentationml/2006/main">
-  <p:cSld>
-    <p:spTree>
-      <p:nvGrpSpPr>
-        <p:cNvPr id="1" name="">
-          <a:extLst>
-            <a:ext uri="{FF2B5EF4-FFF2-40B4-BE49-F238E27FC236}">
-              <a16:creationId xmlns:a16="http://schemas.microsoft.com/office/drawing/2014/main" id="{867C9A74-93CA-8A11-0155-6941F0BECE3E}"/>
-            </a:ext>
-          </a:extLst>
-        </p:cNvPr>
-        <p:cNvGrpSpPr/>
-        <p:nvPr/>
-      </p:nvGrpSpPr>
-      <p:grpSpPr>
-        <a:xfrm>
-          <a:off x="0" y="0"/>
-          <a:ext cx="0" cy="0"/>
-          <a:chOff x="0" y="0"/>
-          <a:chExt cx="0" cy="0"/>
-        </a:xfrm>
-      </p:grpSpPr>
-      <p:sp>
-        <p:nvSpPr>
-          <p:cNvPr id="2" name="Título 1">
-            <a:extLst>
-              <a:ext uri="{FF2B5EF4-FFF2-40B4-BE49-F238E27FC236}">
-                <a16:creationId xmlns:a16="http://schemas.microsoft.com/office/drawing/2014/main" id="{E03D3BE7-5080-3E41-5DD6-8A118C466325}"/>
-              </a:ext>
-            </a:extLst>
-          </p:cNvPr>
-          <p:cNvSpPr>
-            <a:spLocks noGrp="1"/>
-          </p:cNvSpPr>
-          <p:nvPr>
-            <p:ph type="title"/>
-          </p:nvPr>
-        </p:nvSpPr>
-        <p:spPr>
-          <a:xfrm>
-            <a:off x="611560" y="1052736"/>
-            <a:ext cx="8229600" cy="500062"/>
-          </a:xfrm>
-        </p:spPr>
-        <p:txBody>
-          <a:bodyPr/>
-          <a:lstStyle/>
-          <a:p>
-            <a:r>
-              <a:rPr lang="es-MX" dirty="0"/>
-              <a:t>Descriptivos</a:t>
-            </a:r>
-            <a:endParaRPr lang="es-CO" dirty="0"/>
-          </a:p>
-        </p:txBody>
-      </p:sp>
-      <p:pic>
-        <p:nvPicPr>
-          <p:cNvPr id="3" name="Imagen 2">
-            <a:extLst>
-              <a:ext uri="{FF2B5EF4-FFF2-40B4-BE49-F238E27FC236}">
-                <a16:creationId xmlns:a16="http://schemas.microsoft.com/office/drawing/2014/main" id="{BB23CA6B-1ED7-7854-312B-C809EC804F0D}"/>
-              </a:ext>
-            </a:extLst>
-          </p:cNvPr>
-          <p:cNvPicPr>
-            <a:picLocks noChangeAspect="1"/>
-          </p:cNvPicPr>
-          <p:nvPr/>
-        </p:nvPicPr>
-        <p:blipFill>
-          <a:blip r:embed="rId2"/>
-          <a:stretch>
-            <a:fillRect/>
-          </a:stretch>
-        </p:blipFill>
-        <p:spPr>
-          <a:xfrm>
-            <a:off x="1259632" y="1916832"/>
-            <a:ext cx="7212293" cy="4327376"/>
-          </a:xfrm>
-          <a:prstGeom prst="rect">
-            <a:avLst/>
-          </a:prstGeom>
-        </p:spPr>
-      </p:pic>
-    </p:spTree>
-    <p:extLst>
-      <p:ext uri="{BB962C8B-B14F-4D97-AF65-F5344CB8AC3E}">
-        <p14:creationId xmlns:p14="http://schemas.microsoft.com/office/powerpoint/2010/main" val="2124195273"/>
-      </p:ext>
-    </p:extLst>
-  </p:cSld>
-  <p:clrMapOvr>
-    <a:masterClrMapping/>
-  </p:clrMapOvr>
-</p:sld>
-</file>
-
-<file path=ppt/slides/slide9.xml><?xml version="1.0" encoding="utf-8"?>
-<p:sld xmlns:a="http://schemas.openxmlformats.org/drawingml/2006/main" xmlns:r="http://schemas.openxmlformats.org/officeDocument/2006/relationships" xmlns:p="http://schemas.openxmlformats.org/presentationml/2006/main">
-  <p:cSld>
-    <p:spTree>
-      <p:nvGrpSpPr>
-        <p:cNvPr id="1" name="">
-          <a:extLst>
-            <a:ext uri="{FF2B5EF4-FFF2-40B4-BE49-F238E27FC236}">
-              <a16:creationId xmlns:a16="http://schemas.microsoft.com/office/drawing/2014/main" id="{285D7A6B-BB1D-C5C6-1042-ECF63D0036C9}"/>
-            </a:ext>
-          </a:extLst>
-        </p:cNvPr>
-        <p:cNvGrpSpPr/>
-        <p:nvPr/>
-      </p:nvGrpSpPr>
-      <p:grpSpPr>
-        <a:xfrm>
-          <a:off x="0" y="0"/>
-          <a:ext cx="0" cy="0"/>
-          <a:chOff x="0" y="0"/>
-          <a:chExt cx="0" cy="0"/>
-        </a:xfrm>
-      </p:grpSpPr>
-      <p:sp>
-        <p:nvSpPr>
-          <p:cNvPr id="2" name="Título 1">
-            <a:extLst>
-              <a:ext uri="{FF2B5EF4-FFF2-40B4-BE49-F238E27FC236}">
-                <a16:creationId xmlns:a16="http://schemas.microsoft.com/office/drawing/2014/main" id="{6532B05F-3678-E6A5-D304-D3D5D2E616A4}"/>
-              </a:ext>
-            </a:extLst>
-          </p:cNvPr>
-          <p:cNvSpPr>
-            <a:spLocks noGrp="1"/>
-          </p:cNvSpPr>
-          <p:nvPr>
-            <p:ph type="title"/>
-          </p:nvPr>
-        </p:nvSpPr>
-        <p:spPr>
-          <a:xfrm>
-            <a:off x="611560" y="1052736"/>
-            <a:ext cx="8229600" cy="500062"/>
-          </a:xfrm>
-        </p:spPr>
-        <p:txBody>
-          <a:bodyPr/>
-          <a:lstStyle/>
-          <a:p>
-            <a:r>
-              <a:rPr lang="es-MX" dirty="0"/>
-              <a:t>Descriptivos</a:t>
-            </a:r>
-            <a:endParaRPr lang="es-CO" dirty="0"/>
-          </a:p>
-        </p:txBody>
-      </p:sp>
-      <p:pic>
-        <p:nvPicPr>
-          <p:cNvPr id="4" name="Imagen 3">
-            <a:extLst>
-              <a:ext uri="{FF2B5EF4-FFF2-40B4-BE49-F238E27FC236}">
-                <a16:creationId xmlns:a16="http://schemas.microsoft.com/office/drawing/2014/main" id="{6E7349A0-1A29-20FD-B776-95D07B76A9E5}"/>
-              </a:ext>
-            </a:extLst>
-          </p:cNvPr>
-          <p:cNvPicPr>
-            <a:picLocks noChangeAspect="1"/>
-          </p:cNvPicPr>
-          <p:nvPr/>
-        </p:nvPicPr>
-        <p:blipFill>
-          <a:blip r:embed="rId2"/>
-          <a:stretch>
-            <a:fillRect/>
-          </a:stretch>
-        </p:blipFill>
-        <p:spPr>
-          <a:xfrm>
-            <a:off x="1619672" y="1844824"/>
-            <a:ext cx="7092280" cy="4255368"/>
-          </a:xfrm>
-          <a:prstGeom prst="rect">
-            <a:avLst/>
-          </a:prstGeom>
-        </p:spPr>
-      </p:pic>
-    </p:spTree>
-    <p:extLst>
-      <p:ext uri="{BB962C8B-B14F-4D97-AF65-F5344CB8AC3E}">
-        <p14:creationId xmlns:p14="http://schemas.microsoft.com/office/powerpoint/2010/main" val="2634105847"/>
+        <p14:creationId xmlns:p14="http://schemas.microsoft.com/office/powerpoint/2010/main" val="2979774570"/>
       </p:ext>
     </p:extLst>
   </p:cSld>
